--- a/TranVanKhanh/Report-week3.pptx
+++ b/TranVanKhanh/Report-week3.pptx
@@ -226,7 +226,7 @@
           <a:p>
             <a:fld id="{889329C3-59C7-4387-BC5B-4EE1DDCB91A3}" type="datetimeFigureOut">
               <a:rPr lang="en-US" smtClean="0"/>
-              <a:t>7/20/2018</a:t>
+              <a:t>8/6/2018</a:t>
             </a:fld>
             <a:endParaRPr lang="en-US"/>
           </a:p>
@@ -452,7 +452,7 @@
           <a:p>
             <a:fld id="{889329C3-59C7-4387-BC5B-4EE1DDCB91A3}" type="datetimeFigureOut">
               <a:rPr lang="en-US" smtClean="0"/>
-              <a:t>7/20/2018</a:t>
+              <a:t>8/6/2018</a:t>
             </a:fld>
             <a:endParaRPr lang="en-US"/>
           </a:p>
@@ -627,7 +627,7 @@
           <a:p>
             <a:fld id="{889329C3-59C7-4387-BC5B-4EE1DDCB91A3}" type="datetimeFigureOut">
               <a:rPr lang="en-US" smtClean="0"/>
-              <a:t>7/20/2018</a:t>
+              <a:t>8/6/2018</a:t>
             </a:fld>
             <a:endParaRPr lang="en-US"/>
           </a:p>
@@ -792,7 +792,7 @@
           <a:p>
             <a:fld id="{889329C3-59C7-4387-BC5B-4EE1DDCB91A3}" type="datetimeFigureOut">
               <a:rPr lang="en-US" smtClean="0"/>
-              <a:t>7/20/2018</a:t>
+              <a:t>8/6/2018</a:t>
             </a:fld>
             <a:endParaRPr lang="en-US"/>
           </a:p>
@@ -1036,7 +1036,7 @@
           <a:p>
             <a:fld id="{889329C3-59C7-4387-BC5B-4EE1DDCB91A3}" type="datetimeFigureOut">
               <a:rPr lang="en-US" smtClean="0"/>
-              <a:t>7/20/2018</a:t>
+              <a:t>8/6/2018</a:t>
             </a:fld>
             <a:endParaRPr lang="en-US"/>
           </a:p>
@@ -1300,7 +1300,7 @@
           <a:p>
             <a:fld id="{889329C3-59C7-4387-BC5B-4EE1DDCB91A3}" type="datetimeFigureOut">
               <a:rPr lang="en-US" smtClean="0"/>
-              <a:t>7/20/2018</a:t>
+              <a:t>8/6/2018</a:t>
             </a:fld>
             <a:endParaRPr lang="en-US"/>
           </a:p>
@@ -1674,7 +1674,7 @@
           <a:p>
             <a:fld id="{889329C3-59C7-4387-BC5B-4EE1DDCB91A3}" type="datetimeFigureOut">
               <a:rPr lang="en-US" smtClean="0"/>
-              <a:t>7/20/2018</a:t>
+              <a:t>8/6/2018</a:t>
             </a:fld>
             <a:endParaRPr lang="en-US"/>
           </a:p>
@@ -1787,7 +1787,7 @@
           <a:p>
             <a:fld id="{889329C3-59C7-4387-BC5B-4EE1DDCB91A3}" type="datetimeFigureOut">
               <a:rPr lang="en-US" smtClean="0"/>
-              <a:t>7/20/2018</a:t>
+              <a:t>8/6/2018</a:t>
             </a:fld>
             <a:endParaRPr lang="en-US"/>
           </a:p>
@@ -1877,7 +1877,7 @@
           <a:p>
             <a:fld id="{889329C3-59C7-4387-BC5B-4EE1DDCB91A3}" type="datetimeFigureOut">
               <a:rPr lang="en-US" smtClean="0"/>
-              <a:t>7/20/2018</a:t>
+              <a:t>8/6/2018</a:t>
             </a:fld>
             <a:endParaRPr lang="en-US"/>
           </a:p>
@@ -2135,7 +2135,7 @@
           <a:p>
             <a:fld id="{889329C3-59C7-4387-BC5B-4EE1DDCB91A3}" type="datetimeFigureOut">
               <a:rPr lang="en-US" smtClean="0"/>
-              <a:t>7/20/2018</a:t>
+              <a:t>8/6/2018</a:t>
             </a:fld>
             <a:endParaRPr lang="en-US"/>
           </a:p>
@@ -2399,7 +2399,7 @@
           <a:p>
             <a:fld id="{889329C3-59C7-4387-BC5B-4EE1DDCB91A3}" type="datetimeFigureOut">
               <a:rPr lang="en-US" smtClean="0"/>
-              <a:t>7/20/2018</a:t>
+              <a:t>8/6/2018</a:t>
             </a:fld>
             <a:endParaRPr lang="en-US"/>
           </a:p>
@@ -2616,7 +2616,7 @@
           <a:p>
             <a:fld id="{889329C3-59C7-4387-BC5B-4EE1DDCB91A3}" type="datetimeFigureOut">
               <a:rPr lang="en-US" smtClean="0"/>
-              <a:t>7/20/2018</a:t>
+              <a:t>8/6/2018</a:t>
             </a:fld>
             <a:endParaRPr lang="en-US"/>
           </a:p>
@@ -3063,7 +3063,15 @@
           <a:p>
             <a:r>
               <a:rPr lang="en-US" dirty="0" smtClean="0"/>
-              <a:t>BÁO CÁO TUẦN 2</a:t>
+              <a:t>BÁO CÁO </a:t>
+            </a:r>
+            <a:r>
+              <a:rPr lang="en-US" smtClean="0"/>
+              <a:t>TUẦN </a:t>
+            </a:r>
+            <a:r>
+              <a:rPr lang="en-US" smtClean="0"/>
+              <a:t>3</a:t>
             </a:r>
             <a:endParaRPr lang="en-US" dirty="0"/>
           </a:p>
